--- a/React/React_Presentation.pptx
+++ b/React/React_Presentation.pptx
@@ -5,7 +5,7 @@
     <p:sldMasterId id="2147483648" r:id="rId1"/>
   </p:sldMasterIdLst>
   <p:notesMasterIdLst>
-    <p:notesMasterId r:id="rId60"/>
+    <p:notesMasterId r:id="rId61"/>
   </p:notesMasterIdLst>
   <p:sldIdLst>
     <p:sldId id="304" r:id="rId2"/>
@@ -66,6 +66,7 @@
     <p:sldId id="257" r:id="rId57"/>
     <p:sldId id="258" r:id="rId58"/>
     <p:sldId id="259" r:id="rId59"/>
+    <p:sldId id="316" r:id="rId60"/>
   </p:sldIdLst>
   <p:sldSz cx="12192000" cy="6858000"/>
   <p:notesSz cx="6858000" cy="9144000"/>
@@ -254,7 +255,7 @@
           <a:p>
             <a:fld id="{54FAD2D8-1BA7-44F9-A1C5-781BB210303B}" type="datetimeFigureOut">
               <a:rPr lang="en-IN" smtClean="0"/>
-              <a:t>30-08-2023</a:t>
+              <a:t>15-09-2023</a:t>
             </a:fld>
             <a:endParaRPr lang="en-IN"/>
           </a:p>
@@ -2049,7 +2050,7 @@
           <a:p>
             <a:fld id="{466AF77C-B424-4843-A4FD-B429FECBA282}" type="datetimeFigureOut">
               <a:rPr lang="en-IN" smtClean="0"/>
-              <a:t>30-08-2023</a:t>
+              <a:t>15-09-2023</a:t>
             </a:fld>
             <a:endParaRPr lang="en-IN"/>
           </a:p>
@@ -2249,7 +2250,7 @@
           <a:p>
             <a:fld id="{466AF77C-B424-4843-A4FD-B429FECBA282}" type="datetimeFigureOut">
               <a:rPr lang="en-IN" smtClean="0"/>
-              <a:t>30-08-2023</a:t>
+              <a:t>15-09-2023</a:t>
             </a:fld>
             <a:endParaRPr lang="en-IN"/>
           </a:p>
@@ -2459,7 +2460,7 @@
           <a:p>
             <a:fld id="{466AF77C-B424-4843-A4FD-B429FECBA282}" type="datetimeFigureOut">
               <a:rPr lang="en-IN" smtClean="0"/>
-              <a:t>30-08-2023</a:t>
+              <a:t>15-09-2023</a:t>
             </a:fld>
             <a:endParaRPr lang="en-IN"/>
           </a:p>
@@ -2659,7 +2660,7 @@
           <a:p>
             <a:fld id="{466AF77C-B424-4843-A4FD-B429FECBA282}" type="datetimeFigureOut">
               <a:rPr lang="en-IN" smtClean="0"/>
-              <a:t>30-08-2023</a:t>
+              <a:t>15-09-2023</a:t>
             </a:fld>
             <a:endParaRPr lang="en-IN"/>
           </a:p>
@@ -2935,7 +2936,7 @@
           <a:p>
             <a:fld id="{466AF77C-B424-4843-A4FD-B429FECBA282}" type="datetimeFigureOut">
               <a:rPr lang="en-IN" smtClean="0"/>
-              <a:t>30-08-2023</a:t>
+              <a:t>15-09-2023</a:t>
             </a:fld>
             <a:endParaRPr lang="en-IN"/>
           </a:p>
@@ -3203,7 +3204,7 @@
           <a:p>
             <a:fld id="{466AF77C-B424-4843-A4FD-B429FECBA282}" type="datetimeFigureOut">
               <a:rPr lang="en-IN" smtClean="0"/>
-              <a:t>30-08-2023</a:t>
+              <a:t>15-09-2023</a:t>
             </a:fld>
             <a:endParaRPr lang="en-IN"/>
           </a:p>
@@ -3618,7 +3619,7 @@
           <a:p>
             <a:fld id="{466AF77C-B424-4843-A4FD-B429FECBA282}" type="datetimeFigureOut">
               <a:rPr lang="en-IN" smtClean="0"/>
-              <a:t>30-08-2023</a:t>
+              <a:t>15-09-2023</a:t>
             </a:fld>
             <a:endParaRPr lang="en-IN"/>
           </a:p>
@@ -3760,7 +3761,7 @@
           <a:p>
             <a:fld id="{466AF77C-B424-4843-A4FD-B429FECBA282}" type="datetimeFigureOut">
               <a:rPr lang="en-IN" smtClean="0"/>
-              <a:t>30-08-2023</a:t>
+              <a:t>15-09-2023</a:t>
             </a:fld>
             <a:endParaRPr lang="en-IN"/>
           </a:p>
@@ -3873,7 +3874,7 @@
           <a:p>
             <a:fld id="{466AF77C-B424-4843-A4FD-B429FECBA282}" type="datetimeFigureOut">
               <a:rPr lang="en-IN" smtClean="0"/>
-              <a:t>30-08-2023</a:t>
+              <a:t>15-09-2023</a:t>
             </a:fld>
             <a:endParaRPr lang="en-IN"/>
           </a:p>
@@ -4186,7 +4187,7 @@
           <a:p>
             <a:fld id="{466AF77C-B424-4843-A4FD-B429FECBA282}" type="datetimeFigureOut">
               <a:rPr lang="en-IN" smtClean="0"/>
-              <a:t>30-08-2023</a:t>
+              <a:t>15-09-2023</a:t>
             </a:fld>
             <a:endParaRPr lang="en-IN"/>
           </a:p>
@@ -4475,7 +4476,7 @@
           <a:p>
             <a:fld id="{466AF77C-B424-4843-A4FD-B429FECBA282}" type="datetimeFigureOut">
               <a:rPr lang="en-IN" smtClean="0"/>
-              <a:t>30-08-2023</a:t>
+              <a:t>15-09-2023</a:t>
             </a:fld>
             <a:endParaRPr lang="en-IN"/>
           </a:p>
@@ -4718,7 +4719,7 @@
           <a:p>
             <a:fld id="{466AF77C-B424-4843-A4FD-B429FECBA282}" type="datetimeFigureOut">
               <a:rPr lang="en-IN" smtClean="0"/>
-              <a:t>30-08-2023</a:t>
+              <a:t>15-09-2023</a:t>
             </a:fld>
             <a:endParaRPr lang="en-IN"/>
           </a:p>
@@ -19326,7 +19327,10 @@
           <a:bodyPr/>
           <a:lstStyle/>
           <a:p>
-            <a:endParaRPr lang="en-IN"/>
+            <a:r>
+              <a:rPr lang="en-IN" dirty="0"/>
+              <a:t>Async Await</a:t>
+            </a:r>
           </a:p>
         </p:txBody>
       </p:sp>
@@ -19351,7 +19355,45 @@
           <a:bodyPr/>
           <a:lstStyle/>
           <a:p>
-            <a:endParaRPr lang="en-IN"/>
+            <a:r>
+              <a:rPr lang="en-US" dirty="0"/>
+              <a:t>What is the difference between async await and promises and callbacks?</a:t>
+            </a:r>
+          </a:p>
+          <a:p>
+            <a:r>
+              <a:rPr lang="en-US" dirty="0"/>
+              <a:t>Promise Vs Callback Vs Async/Await | by Mohit </a:t>
+            </a:r>
+            <a:r>
+              <a:rPr lang="en-US" dirty="0" err="1"/>
+              <a:t>garg</a:t>
+            </a:r>
+            <a:r>
+              <a:rPr lang="en-US" dirty="0"/>
+              <a:t> | Dev Genius</a:t>
+            </a:r>
+          </a:p>
+          <a:p>
+            <a:r>
+              <a:rPr lang="en-US" dirty="0"/>
+              <a:t>In summary, promises, callbacks, and async/await are all ways to handle asynchronous operations in JavaScript, with promises providing a more elegant way of handling async operations, callbacks being a more traditional way, and async/await providing a more convenient and readable way of handling async operations.</a:t>
+            </a:r>
+          </a:p>
+          <a:p>
+            <a:r>
+              <a:rPr lang="en-IN" dirty="0">
+                <a:hlinkClick r:id="rId2"/>
+              </a:rPr>
+              <a:t>https://www.geeksforgeeks.org/difference-between-promise-and-async-await-in-node-js/</a:t>
+            </a:r>
+            <a:endParaRPr lang="en-US" dirty="0"/>
+          </a:p>
+          <a:p>
+            <a:pPr marL="0" indent="0">
+              <a:buNone/>
+            </a:pPr>
+            <a:endParaRPr lang="en-IN" dirty="0"/>
           </a:p>
         </p:txBody>
       </p:sp>
@@ -19359,6 +19401,145 @@
     <p:extLst>
       <p:ext uri="{BB962C8B-B14F-4D97-AF65-F5344CB8AC3E}">
         <p14:creationId xmlns:p14="http://schemas.microsoft.com/office/powerpoint/2010/main" val="2889622385"/>
+      </p:ext>
+    </p:extLst>
+  </p:cSld>
+  <p:clrMapOvr>
+    <a:masterClrMapping/>
+  </p:clrMapOvr>
+</p:sld>
+</file>
+
+<file path=ppt/slides/slide59.xml><?xml version="1.0" encoding="utf-8"?>
+<p:sld xmlns:a="http://schemas.openxmlformats.org/drawingml/2006/main" xmlns:r="http://schemas.openxmlformats.org/officeDocument/2006/relationships" xmlns:p="http://schemas.openxmlformats.org/presentationml/2006/main">
+  <p:cSld>
+    <p:spTree>
+      <p:nvGrpSpPr>
+        <p:cNvPr id="1" name=""/>
+        <p:cNvGrpSpPr/>
+        <p:nvPr/>
+      </p:nvGrpSpPr>
+      <p:grpSpPr>
+        <a:xfrm>
+          <a:off x="0" y="0"/>
+          <a:ext cx="0" cy="0"/>
+          <a:chOff x="0" y="0"/>
+          <a:chExt cx="0" cy="0"/>
+        </a:xfrm>
+      </p:grpSpPr>
+      <p:sp>
+        <p:nvSpPr>
+          <p:cNvPr id="2" name="Title 1">
+            <a:extLst>
+              <a:ext uri="{FF2B5EF4-FFF2-40B4-BE49-F238E27FC236}">
+                <a16:creationId xmlns:a16="http://schemas.microsoft.com/office/drawing/2014/main" id="{6BCF34DA-B7B3-D20A-3338-342AE0118924}"/>
+              </a:ext>
+            </a:extLst>
+          </p:cNvPr>
+          <p:cNvSpPr>
+            <a:spLocks noGrp="1"/>
+          </p:cNvSpPr>
+          <p:nvPr>
+            <p:ph type="title"/>
+          </p:nvPr>
+        </p:nvSpPr>
+        <p:spPr/>
+        <p:txBody>
+          <a:bodyPr/>
+          <a:lstStyle/>
+          <a:p>
+            <a:r>
+              <a:rPr lang="en-IN" dirty="0"/>
+              <a:t>Async Await</a:t>
+            </a:r>
+          </a:p>
+        </p:txBody>
+      </p:sp>
+      <p:sp>
+        <p:nvSpPr>
+          <p:cNvPr id="3" name="Content Placeholder 2">
+            <a:extLst>
+              <a:ext uri="{FF2B5EF4-FFF2-40B4-BE49-F238E27FC236}">
+                <a16:creationId xmlns:a16="http://schemas.microsoft.com/office/drawing/2014/main" id="{3E2AC542-9E80-8305-67F8-B4864A623E44}"/>
+              </a:ext>
+            </a:extLst>
+          </p:cNvPr>
+          <p:cNvSpPr>
+            <a:spLocks noGrp="1"/>
+          </p:cNvSpPr>
+          <p:nvPr>
+            <p:ph idx="1"/>
+          </p:nvPr>
+        </p:nvSpPr>
+        <p:spPr/>
+        <p:txBody>
+          <a:bodyPr>
+            <a:normAutofit fontScale="70000" lnSpcReduction="20000"/>
+          </a:bodyPr>
+          <a:lstStyle/>
+          <a:p>
+            <a:r>
+              <a:rPr lang="en-US" dirty="0"/>
+              <a:t>Async/Await is used to work with promises in asynchronous functions. It is basically syntactic sugar for promises. </a:t>
+            </a:r>
+          </a:p>
+          <a:p>
+            <a:r>
+              <a:rPr lang="en-US" dirty="0"/>
+              <a:t>It is just a wrapper to restyle code and make promises easier to read and use. </a:t>
+            </a:r>
+          </a:p>
+          <a:p>
+            <a:r>
+              <a:rPr lang="en-US" dirty="0"/>
+              <a:t>It makes asynchronous code look more like synchronous/procedural code, which is easier to understand.</a:t>
+            </a:r>
+          </a:p>
+          <a:p>
+            <a:endParaRPr lang="en-US" dirty="0"/>
+          </a:p>
+          <a:p>
+            <a:r>
+              <a:rPr lang="en-US" dirty="0"/>
+              <a:t>await can only be used in async functions. It is used for calling an async function and waits for it to resolve or reject. </a:t>
+            </a:r>
+          </a:p>
+          <a:p>
+            <a:r>
+              <a:rPr lang="en-US" dirty="0"/>
+              <a:t>await blocks the execution of the code within the async function in which it is located. </a:t>
+            </a:r>
+          </a:p>
+          <a:p>
+            <a:endParaRPr lang="en-US" dirty="0"/>
+          </a:p>
+          <a:p>
+            <a:r>
+              <a:rPr lang="en-US" dirty="0"/>
+              <a:t>Error Handling in Async/Await: For a successfully resolved promise, we use try and for rejected promise, we use catch</a:t>
+            </a:r>
+            <a:r>
+              <a:rPr lang="en-US"/>
+              <a:t>. </a:t>
+            </a:r>
+          </a:p>
+          <a:p>
+            <a:r>
+              <a:rPr lang="en-US"/>
+              <a:t>To </a:t>
+            </a:r>
+            <a:r>
+              <a:rPr lang="en-US" dirty="0"/>
+              <a:t>run a code after the promise has been handled using try or catch, we can .finally() method. The code inside .finally() method runs once regardless of the state of the promise.</a:t>
+            </a:r>
+            <a:endParaRPr lang="en-IN" dirty="0"/>
+          </a:p>
+        </p:txBody>
+      </p:sp>
+    </p:spTree>
+    <p:extLst>
+      <p:ext uri="{BB962C8B-B14F-4D97-AF65-F5344CB8AC3E}">
+        <p14:creationId xmlns:p14="http://schemas.microsoft.com/office/powerpoint/2010/main" val="701378570"/>
       </p:ext>
     </p:extLst>
   </p:cSld>
